--- a/poster/AIB-template-powerpoint.pptx
+++ b/poster/AIB-template-powerpoint.pptx
@@ -243,7 +243,7 @@
           <a:p>
             <a:fld id="{23CA6365-2E98-4DD1-BDAA-4579F8393497}" type="datetimeFigureOut">
               <a:rPr lang="en-US" smtClean="0"/>
-              <a:t>6/24/2022</a:t>
+              <a:t>4/16/24</a:t>
             </a:fld>
             <a:endParaRPr lang="en-US"/>
           </a:p>
@@ -413,7 +413,7 @@
           <a:p>
             <a:fld id="{23CA6365-2E98-4DD1-BDAA-4579F8393497}" type="datetimeFigureOut">
               <a:rPr lang="en-US" smtClean="0"/>
-              <a:t>6/24/2022</a:t>
+              <a:t>4/16/24</a:t>
             </a:fld>
             <a:endParaRPr lang="en-US"/>
           </a:p>
@@ -593,7 +593,7 @@
           <a:p>
             <a:fld id="{23CA6365-2E98-4DD1-BDAA-4579F8393497}" type="datetimeFigureOut">
               <a:rPr lang="en-US" smtClean="0"/>
-              <a:t>6/24/2022</a:t>
+              <a:t>4/16/24</a:t>
             </a:fld>
             <a:endParaRPr lang="en-US"/>
           </a:p>
@@ -763,7 +763,7 @@
           <a:p>
             <a:fld id="{23CA6365-2E98-4DD1-BDAA-4579F8393497}" type="datetimeFigureOut">
               <a:rPr lang="en-US" smtClean="0"/>
-              <a:t>6/24/2022</a:t>
+              <a:t>4/16/24</a:t>
             </a:fld>
             <a:endParaRPr lang="en-US"/>
           </a:p>
@@ -1007,7 +1007,7 @@
           <a:p>
             <a:fld id="{23CA6365-2E98-4DD1-BDAA-4579F8393497}" type="datetimeFigureOut">
               <a:rPr lang="en-US" smtClean="0"/>
-              <a:t>6/24/2022</a:t>
+              <a:t>4/16/24</a:t>
             </a:fld>
             <a:endParaRPr lang="en-US"/>
           </a:p>
@@ -1239,7 +1239,7 @@
           <a:p>
             <a:fld id="{23CA6365-2E98-4DD1-BDAA-4579F8393497}" type="datetimeFigureOut">
               <a:rPr lang="en-US" smtClean="0"/>
-              <a:t>6/24/2022</a:t>
+              <a:t>4/16/24</a:t>
             </a:fld>
             <a:endParaRPr lang="en-US"/>
           </a:p>
@@ -1606,7 +1606,7 @@
           <a:p>
             <a:fld id="{23CA6365-2E98-4DD1-BDAA-4579F8393497}" type="datetimeFigureOut">
               <a:rPr lang="en-US" smtClean="0"/>
-              <a:t>6/24/2022</a:t>
+              <a:t>4/16/24</a:t>
             </a:fld>
             <a:endParaRPr lang="en-US"/>
           </a:p>
@@ -1724,7 +1724,7 @@
           <a:p>
             <a:fld id="{23CA6365-2E98-4DD1-BDAA-4579F8393497}" type="datetimeFigureOut">
               <a:rPr lang="en-US" smtClean="0"/>
-              <a:t>6/24/2022</a:t>
+              <a:t>4/16/24</a:t>
             </a:fld>
             <a:endParaRPr lang="en-US"/>
           </a:p>
@@ -1819,7 +1819,7 @@
           <a:p>
             <a:fld id="{23CA6365-2E98-4DD1-BDAA-4579F8393497}" type="datetimeFigureOut">
               <a:rPr lang="en-US" smtClean="0"/>
-              <a:t>6/24/2022</a:t>
+              <a:t>4/16/24</a:t>
             </a:fld>
             <a:endParaRPr lang="en-US"/>
           </a:p>
@@ -2096,7 +2096,7 @@
           <a:p>
             <a:fld id="{23CA6365-2E98-4DD1-BDAA-4579F8393497}" type="datetimeFigureOut">
               <a:rPr lang="en-US" smtClean="0"/>
-              <a:t>6/24/2022</a:t>
+              <a:t>4/16/24</a:t>
             </a:fld>
             <a:endParaRPr lang="en-US"/>
           </a:p>
@@ -2353,7 +2353,7 @@
           <a:p>
             <a:fld id="{23CA6365-2E98-4DD1-BDAA-4579F8393497}" type="datetimeFigureOut">
               <a:rPr lang="en-US" smtClean="0"/>
-              <a:t>6/24/2022</a:t>
+              <a:t>4/16/24</a:t>
             </a:fld>
             <a:endParaRPr lang="en-US"/>
           </a:p>
@@ -2566,7 +2566,7 @@
           <a:p>
             <a:fld id="{23CA6365-2E98-4DD1-BDAA-4579F8393497}" type="datetimeFigureOut">
               <a:rPr lang="en-US" smtClean="0"/>
-              <a:t>6/24/2022</a:t>
+              <a:t>4/16/24</a:t>
             </a:fld>
             <a:endParaRPr lang="en-US"/>
           </a:p>
@@ -2987,7 +2987,7 @@
         </p:nvSpPr>
         <p:spPr bwMode="auto">
           <a:xfrm>
-            <a:off x="457200" y="457200"/>
+            <a:off x="453073" y="596437"/>
             <a:ext cx="29352875" cy="6400800"/>
           </a:xfrm>
           <a:prstGeom prst="roundRect">
@@ -3165,7 +3165,7 @@
           </p:cNvPicPr>
           <p:nvPr/>
         </p:nvPicPr>
-        <p:blipFill>
+        <p:blipFill rotWithShape="1">
           <a:blip r:embed="rId3">
             <a:extLst>
               <a:ext uri="{28A0092B-C50C-407E-A947-70E740481C1C}">
@@ -3173,15 +3173,13 @@
               </a:ext>
             </a:extLst>
           </a:blip>
-          <a:srcRect/>
-          <a:stretch>
-            <a:fillRect/>
-          </a:stretch>
+          <a:srcRect l="52325" r="40028"/>
+          <a:stretch/>
         </p:blipFill>
         <p:spPr bwMode="auto">
           <a:xfrm>
-            <a:off x="457200" y="40955976"/>
-            <a:ext cx="29352875" cy="1379538"/>
+            <a:off x="25567549" y="1132979"/>
+            <a:ext cx="1696568" cy="1042733"/>
           </a:xfrm>
           <a:prstGeom prst="rect">
             <a:avLst/>
@@ -3250,7 +3248,7 @@
         </p:blipFill>
         <p:spPr bwMode="auto">
           <a:xfrm>
-            <a:off x="24825960" y="35515296"/>
+            <a:off x="24825960" y="34019001"/>
             <a:ext cx="4979988" cy="4978400"/>
           </a:xfrm>
           <a:prstGeom prst="rect">
@@ -3307,7 +3305,7 @@
         </p:nvSpPr>
         <p:spPr bwMode="auto">
           <a:xfrm>
-            <a:off x="8595360" y="2212848"/>
+            <a:off x="8595360" y="2577473"/>
             <a:ext cx="15329852" cy="1701800"/>
           </a:xfrm>
           <a:prstGeom prst="rect">
@@ -3861,7 +3859,7 @@
         </p:nvSpPr>
         <p:spPr bwMode="auto">
           <a:xfrm>
-            <a:off x="19477737" y="34202116"/>
+            <a:off x="19477737" y="32705821"/>
             <a:ext cx="10789538" cy="1701800"/>
           </a:xfrm>
           <a:prstGeom prst="rect">
@@ -4355,7 +4353,7 @@
         </p:nvSpPr>
         <p:spPr bwMode="auto">
           <a:xfrm>
-            <a:off x="17627599" y="30740361"/>
+            <a:off x="17627599" y="29244066"/>
             <a:ext cx="10946447" cy="543917"/>
           </a:xfrm>
           <a:prstGeom prst="rect">
@@ -4506,7 +4504,7 @@
         </p:nvSpPr>
         <p:spPr>
           <a:xfrm>
-            <a:off x="17627599" y="31474600"/>
+            <a:off x="17627599" y="29978305"/>
             <a:ext cx="11690351" cy="1477328"/>
           </a:xfrm>
           <a:prstGeom prst="rect">
@@ -4669,6 +4667,89 @@
           </a:p>
         </p:txBody>
       </p:sp>
+      <p:pic>
+        <p:nvPicPr>
+          <p:cNvPr id="1026" name="Picture 2">
+            <a:extLst>
+              <a:ext uri="{FF2B5EF4-FFF2-40B4-BE49-F238E27FC236}">
+                <a16:creationId xmlns:a16="http://schemas.microsoft.com/office/drawing/2014/main" id="{E9DF087C-8FAC-C68F-8C7F-D5E68E994F1D}"/>
+              </a:ext>
+            </a:extLst>
+          </p:cNvPr>
+          <p:cNvPicPr>
+            <a:picLocks noChangeAspect="1" noChangeArrowheads="1"/>
+          </p:cNvPicPr>
+          <p:nvPr/>
+        </p:nvPicPr>
+        <p:blipFill>
+          <a:blip r:embed="rId5">
+            <a:extLst>
+              <a:ext uri="{28A0092B-C50C-407E-A947-70E740481C1C}">
+                <a14:useLocalDpi xmlns:a14="http://schemas.microsoft.com/office/drawing/2010/main" val="0"/>
+              </a:ext>
+            </a:extLst>
+          </a:blip>
+          <a:srcRect/>
+          <a:stretch>
+            <a:fillRect/>
+          </a:stretch>
+        </p:blipFill>
+        <p:spPr bwMode="auto">
+          <a:xfrm>
+            <a:off x="23523800" y="1118032"/>
+            <a:ext cx="2018348" cy="974346"/>
+          </a:xfrm>
+          <a:prstGeom prst="rect">
+            <a:avLst/>
+          </a:prstGeom>
+          <a:noFill/>
+          <a:extLst>
+            <a:ext uri="{909E8E84-426E-40DD-AFC4-6F175D3DCCD1}">
+              <a14:hiddenFill xmlns:a14="http://schemas.microsoft.com/office/drawing/2010/main">
+                <a:solidFill>
+                  <a:srgbClr val="FFFFFF"/>
+                </a:solidFill>
+              </a14:hiddenFill>
+            </a:ext>
+          </a:extLst>
+        </p:spPr>
+      </p:pic>
+      <p:pic>
+        <p:nvPicPr>
+          <p:cNvPr id="9" name="Picture 8" descr="A black background with a yellow circle and a black arrow&#10;&#10;Description automatically generated">
+            <a:extLst>
+              <a:ext uri="{FF2B5EF4-FFF2-40B4-BE49-F238E27FC236}">
+                <a16:creationId xmlns:a16="http://schemas.microsoft.com/office/drawing/2014/main" id="{76DF0B68-6670-8E92-AAFB-302C2A4B109C}"/>
+              </a:ext>
+            </a:extLst>
+          </p:cNvPr>
+          <p:cNvPicPr>
+            <a:picLocks noChangeAspect="1"/>
+          </p:cNvPicPr>
+          <p:nvPr/>
+        </p:nvPicPr>
+        <p:blipFill>
+          <a:blip r:embed="rId6">
+            <a:extLst>
+              <a:ext uri="{28A0092B-C50C-407E-A947-70E740481C1C}">
+                <a14:useLocalDpi xmlns:a14="http://schemas.microsoft.com/office/drawing/2010/main" val="0"/>
+              </a:ext>
+            </a:extLst>
+          </a:blip>
+          <a:stretch>
+            <a:fillRect/>
+          </a:stretch>
+        </p:blipFill>
+        <p:spPr>
+          <a:xfrm>
+            <a:off x="27183777" y="969339"/>
+            <a:ext cx="2018348" cy="1220100"/>
+          </a:xfrm>
+          <a:prstGeom prst="rect">
+            <a:avLst/>
+          </a:prstGeom>
+        </p:spPr>
+      </p:pic>
     </p:spTree>
     <p:extLst>
       <p:ext uri="{BB962C8B-B14F-4D97-AF65-F5344CB8AC3E}">
